--- a/dataviz/Data Viz Challenge.pptx
+++ b/dataviz/Data Viz Challenge.pptx
@@ -14,7 +14,8 @@
     <p:sldId id="262" r:id="rId8"/>
     <p:sldId id="263" r:id="rId9"/>
     <p:sldId id="264" r:id="rId10"/>
-    <p:sldId id="266" r:id="rId11"/>
+    <p:sldId id="267" r:id="rId11"/>
+    <p:sldId id="266" r:id="rId12"/>
   </p:sldIdLst>
   <p:sldSz cx="12192000" cy="6858000"/>
   <p:notesSz cx="6858000" cy="9144000"/>
@@ -113,13 +114,18 @@
       </a:defRPr>
     </a:lvl9pPr>
   </p:defaultTextStyle>
+  <p:extLst>
+    <p:ext uri="{EFAFB233-063F-42B5-8137-9DF3F51BA10A}">
+      <p15:sldGuideLst xmlns:p15="http://schemas.microsoft.com/office/powerpoint/2012/main"/>
+    </p:ext>
+  </p:extLst>
 </p:presentation>
 </file>
 
 <file path=ppt/revisionInfo.xml><?xml version="1.0" encoding="utf-8"?>
 <p1510:revInfo xmlns:a="http://schemas.openxmlformats.org/drawingml/2006/main" xmlns:r="http://schemas.openxmlformats.org/officeDocument/2006/relationships" xmlns:p1510="http://schemas.microsoft.com/office/powerpoint/2015/10/main">
   <p1510:revLst>
-    <p1510:client id="{29C9C560-E7A5-455B-9ADC-32004C2DDC6D}" v="34" dt="2023-02-12T13:50:53.315"/>
+    <p1510:client id="{29C9C560-E7A5-455B-9ADC-32004C2DDC6D}" v="35" dt="2023-02-12T14:05:44.631"/>
   </p1510:revLst>
 </p1510:revInfo>
 </file>
@@ -129,7 +135,7 @@
   <pc:docChgLst>
     <pc:chgData name="Lorenzo Carta (ICONSULTING)" userId="0dab996a-5312-4c1d-b414-0b209f533d6e" providerId="ADAL" clId="{29C9C560-E7A5-455B-9ADC-32004C2DDC6D}"/>
     <pc:docChg chg="undo custSel addSld delSld modSld sldOrd">
-      <pc:chgData name="Lorenzo Carta (ICONSULTING)" userId="0dab996a-5312-4c1d-b414-0b209f533d6e" providerId="ADAL" clId="{29C9C560-E7A5-455B-9ADC-32004C2DDC6D}" dt="2023-02-12T13:55:37.219" v="2892" actId="20577"/>
+      <pc:chgData name="Lorenzo Carta (ICONSULTING)" userId="0dab996a-5312-4c1d-b414-0b209f533d6e" providerId="ADAL" clId="{29C9C560-E7A5-455B-9ADC-32004C2DDC6D}" dt="2023-02-12T14:06:14.623" v="2908" actId="1076"/>
       <pc:docMkLst>
         <pc:docMk/>
       </pc:docMkLst>
@@ -517,7 +523,7 @@
         </pc:sldMkLst>
       </pc:sldChg>
       <pc:sldChg chg="addSp modSp add mod">
-        <pc:chgData name="Lorenzo Carta (ICONSULTING)" userId="0dab996a-5312-4c1d-b414-0b209f533d6e" providerId="ADAL" clId="{29C9C560-E7A5-455B-9ADC-32004C2DDC6D}" dt="2023-02-12T13:51:30.971" v="2350" actId="20577"/>
+        <pc:chgData name="Lorenzo Carta (ICONSULTING)" userId="0dab996a-5312-4c1d-b414-0b209f533d6e" providerId="ADAL" clId="{29C9C560-E7A5-455B-9ADC-32004C2DDC6D}" dt="2023-02-12T14:05:22.101" v="2893" actId="1076"/>
         <pc:sldMkLst>
           <pc:docMk/>
           <pc:sldMk cId="2034733276" sldId="262"/>
@@ -539,7 +545,7 @@
           </ac:spMkLst>
         </pc:spChg>
         <pc:picChg chg="add mod">
-          <ac:chgData name="Lorenzo Carta (ICONSULTING)" userId="0dab996a-5312-4c1d-b414-0b209f533d6e" providerId="ADAL" clId="{29C9C560-E7A5-455B-9ADC-32004C2DDC6D}" dt="2023-02-12T13:46:44.516" v="2283" actId="14100"/>
+          <ac:chgData name="Lorenzo Carta (ICONSULTING)" userId="0dab996a-5312-4c1d-b414-0b209f533d6e" providerId="ADAL" clId="{29C9C560-E7A5-455B-9ADC-32004C2DDC6D}" dt="2023-02-12T14:05:22.101" v="2893" actId="1076"/>
           <ac:picMkLst>
             <pc:docMk/>
             <pc:sldMk cId="2034733276" sldId="262"/>
@@ -692,6 +698,37 @@
             <pc:docMk/>
             <pc:sldMk cId="4093025103" sldId="266"/>
             <ac:picMk id="4" creationId="{42A5E139-9EE6-BFCB-2E63-5224A750E97A}"/>
+          </ac:picMkLst>
+        </pc:picChg>
+      </pc:sldChg>
+      <pc:sldChg chg="addSp delSp modSp add mod">
+        <pc:chgData name="Lorenzo Carta (ICONSULTING)" userId="0dab996a-5312-4c1d-b414-0b209f533d6e" providerId="ADAL" clId="{29C9C560-E7A5-455B-9ADC-32004C2DDC6D}" dt="2023-02-12T14:06:14.623" v="2908" actId="1076"/>
+        <pc:sldMkLst>
+          <pc:docMk/>
+          <pc:sldMk cId="2098030192" sldId="267"/>
+        </pc:sldMkLst>
+        <pc:spChg chg="mod">
+          <ac:chgData name="Lorenzo Carta (ICONSULTING)" userId="0dab996a-5312-4c1d-b414-0b209f533d6e" providerId="ADAL" clId="{29C9C560-E7A5-455B-9ADC-32004C2DDC6D}" dt="2023-02-12T14:05:51.986" v="2901" actId="20577"/>
+          <ac:spMkLst>
+            <pc:docMk/>
+            <pc:sldMk cId="2098030192" sldId="267"/>
+            <ac:spMk id="9" creationId="{F52E6409-AE6E-2FC3-A6C0-7F54876FB02D}"/>
+          </ac:spMkLst>
+        </pc:spChg>
+        <pc:picChg chg="del">
+          <ac:chgData name="Lorenzo Carta (ICONSULTING)" userId="0dab996a-5312-4c1d-b414-0b209f533d6e" providerId="ADAL" clId="{29C9C560-E7A5-455B-9ADC-32004C2DDC6D}" dt="2023-02-12T14:05:59.634" v="2902" actId="478"/>
+          <ac:picMkLst>
+            <pc:docMk/>
+            <pc:sldMk cId="2098030192" sldId="267"/>
+            <ac:picMk id="3" creationId="{2498C7ED-D963-25AB-D175-D300E2DCA1FD}"/>
+          </ac:picMkLst>
+        </pc:picChg>
+        <pc:picChg chg="add mod">
+          <ac:chgData name="Lorenzo Carta (ICONSULTING)" userId="0dab996a-5312-4c1d-b414-0b209f533d6e" providerId="ADAL" clId="{29C9C560-E7A5-455B-9ADC-32004C2DDC6D}" dt="2023-02-12T14:06:14.623" v="2908" actId="1076"/>
+          <ac:picMkLst>
+            <pc:docMk/>
+            <pc:sldMk cId="2098030192" sldId="267"/>
+            <ac:picMk id="4" creationId="{4427B3B1-9F9C-5C4D-51EA-0F9F315B6E13}"/>
           </ac:picMkLst>
         </pc:picChg>
       </pc:sldChg>
@@ -4295,7 +4332,7 @@
               <a:rPr lang="en-GB" sz="1600" b="1" dirty="0">
                 <a:latin typeface="Futura Lt BT"/>
               </a:rPr>
-              <a:t>4. Next Steps</a:t>
+              <a:t>3. Dashboard Creation (5/5)</a:t>
             </a:r>
           </a:p>
         </p:txBody>
@@ -4429,6 +4466,409 @@
               </a:rPr>
               <a:pPr/>
               <a:t>10</a:t>
+            </a:fld>
+            <a:endParaRPr lang="it-IT" sz="900" dirty="0">
+              <a:latin typeface="Futura Lt BT" panose="020B0402020204020303" pitchFamily="34" charset="0"/>
+            </a:endParaRPr>
+          </a:p>
+        </p:txBody>
+      </p:sp>
+      <p:sp>
+        <p:nvSpPr>
+          <p:cNvPr id="9" name="TextBox 3">
+            <a:extLst>
+              <a:ext uri="{FF2B5EF4-FFF2-40B4-BE49-F238E27FC236}">
+                <a16:creationId xmlns:a16="http://schemas.microsoft.com/office/drawing/2014/main" id="{F52E6409-AE6E-2FC3-A6C0-7F54876FB02D}"/>
+              </a:ext>
+            </a:extLst>
+          </p:cNvPr>
+          <p:cNvSpPr txBox="1"/>
+          <p:nvPr/>
+        </p:nvSpPr>
+        <p:spPr>
+          <a:xfrm>
+            <a:off x="694899" y="836567"/>
+            <a:ext cx="9732474" cy="5434565"/>
+          </a:xfrm>
+          <a:prstGeom prst="rect">
+            <a:avLst/>
+          </a:prstGeom>
+          <a:noFill/>
+        </p:spPr>
+        <p:txBody>
+          <a:bodyPr wrap="square" lIns="91440" tIns="45720" rIns="91440" bIns="45720" rtlCol="0" anchor="t">
+            <a:spAutoFit/>
+          </a:bodyPr>
+          <a:lstStyle/>
+          <a:p>
+            <a:pPr marL="285750" indent="-285750">
+              <a:lnSpc>
+                <a:spcPct val="200000"/>
+              </a:lnSpc>
+              <a:buFont typeface="Wingdings" panose="05000000000000000000" pitchFamily="2" charset="2"/>
+              <a:buChar char="§"/>
+            </a:pPr>
+            <a:r>
+              <a:rPr lang="en-GB" sz="1600" dirty="0">
+                <a:latin typeface="Futura Lt BT"/>
+              </a:rPr>
+              <a:t>Create visualizations</a:t>
+            </a:r>
+          </a:p>
+          <a:p>
+            <a:pPr marL="742950" lvl="1" indent="-285750">
+              <a:lnSpc>
+                <a:spcPct val="200000"/>
+              </a:lnSpc>
+              <a:buFont typeface="Wingdings" panose="05000000000000000000" pitchFamily="2" charset="2"/>
+              <a:buChar char="§"/>
+            </a:pPr>
+            <a:r>
+              <a:rPr lang="en-GB" sz="1600" dirty="0">
+                <a:latin typeface="Futura Lt BT"/>
+              </a:rPr>
+              <a:t>Browser</a:t>
+            </a:r>
+          </a:p>
+          <a:p>
+            <a:pPr marL="742950" lvl="1" indent="-285750">
+              <a:lnSpc>
+                <a:spcPct val="200000"/>
+              </a:lnSpc>
+              <a:buFont typeface="Wingdings" panose="05000000000000000000" pitchFamily="2" charset="2"/>
+              <a:buChar char="§"/>
+            </a:pPr>
+            <a:endParaRPr lang="en-GB" sz="1600" dirty="0">
+              <a:latin typeface="Futura Lt BT"/>
+            </a:endParaRPr>
+          </a:p>
+          <a:p>
+            <a:pPr marL="742950" lvl="1" indent="-285750">
+              <a:lnSpc>
+                <a:spcPct val="200000"/>
+              </a:lnSpc>
+              <a:buFont typeface="Wingdings" panose="05000000000000000000" pitchFamily="2" charset="2"/>
+              <a:buChar char="§"/>
+            </a:pPr>
+            <a:endParaRPr lang="en-GB" sz="1600" dirty="0">
+              <a:latin typeface="Futura Lt BT"/>
+            </a:endParaRPr>
+          </a:p>
+          <a:p>
+            <a:pPr marL="742950" lvl="1" indent="-285750">
+              <a:lnSpc>
+                <a:spcPct val="200000"/>
+              </a:lnSpc>
+              <a:buFont typeface="Wingdings" panose="05000000000000000000" pitchFamily="2" charset="2"/>
+              <a:buChar char="§"/>
+            </a:pPr>
+            <a:endParaRPr lang="en-GB" sz="1600" dirty="0">
+              <a:latin typeface="Futura Lt BT"/>
+            </a:endParaRPr>
+          </a:p>
+          <a:p>
+            <a:pPr marL="742950" lvl="1" indent="-285750">
+              <a:lnSpc>
+                <a:spcPct val="200000"/>
+              </a:lnSpc>
+              <a:buFont typeface="Wingdings" panose="05000000000000000000" pitchFamily="2" charset="2"/>
+              <a:buChar char="§"/>
+            </a:pPr>
+            <a:endParaRPr lang="en-GB" sz="1600" dirty="0">
+              <a:latin typeface="Futura Lt BT"/>
+            </a:endParaRPr>
+          </a:p>
+          <a:p>
+            <a:pPr marL="742950" lvl="1" indent="-285750">
+              <a:lnSpc>
+                <a:spcPct val="200000"/>
+              </a:lnSpc>
+              <a:buFont typeface="Wingdings" panose="05000000000000000000" pitchFamily="2" charset="2"/>
+              <a:buChar char="§"/>
+            </a:pPr>
+            <a:endParaRPr lang="en-GB" sz="1600" dirty="0">
+              <a:latin typeface="Futura Lt BT"/>
+            </a:endParaRPr>
+          </a:p>
+          <a:p>
+            <a:pPr marL="742950" lvl="1" indent="-285750">
+              <a:lnSpc>
+                <a:spcPct val="200000"/>
+              </a:lnSpc>
+              <a:buFont typeface="Wingdings" panose="05000000000000000000" pitchFamily="2" charset="2"/>
+              <a:buChar char="§"/>
+            </a:pPr>
+            <a:endParaRPr lang="en-GB" sz="1600" dirty="0">
+              <a:latin typeface="Futura Lt BT"/>
+            </a:endParaRPr>
+          </a:p>
+          <a:p>
+            <a:pPr marL="742950" lvl="1" indent="-285750">
+              <a:lnSpc>
+                <a:spcPct val="200000"/>
+              </a:lnSpc>
+              <a:buFont typeface="Wingdings" panose="05000000000000000000" pitchFamily="2" charset="2"/>
+              <a:buChar char="§"/>
+            </a:pPr>
+            <a:endParaRPr lang="en-GB" sz="1600" dirty="0">
+              <a:latin typeface="Futura Lt BT"/>
+            </a:endParaRPr>
+          </a:p>
+          <a:p>
+            <a:pPr marL="742950" lvl="1" indent="-285750">
+              <a:lnSpc>
+                <a:spcPct val="200000"/>
+              </a:lnSpc>
+              <a:buFont typeface="Wingdings" panose="05000000000000000000" pitchFamily="2" charset="2"/>
+              <a:buChar char="§"/>
+            </a:pPr>
+            <a:endParaRPr lang="en-GB" sz="1600" dirty="0">
+              <a:latin typeface="Futura Lt BT"/>
+            </a:endParaRPr>
+          </a:p>
+          <a:p>
+            <a:pPr lvl="1">
+              <a:lnSpc>
+                <a:spcPct val="200000"/>
+              </a:lnSpc>
+            </a:pPr>
+            <a:endParaRPr lang="en-GB" sz="1600" dirty="0">
+              <a:latin typeface="Futura Lt BT"/>
+            </a:endParaRPr>
+          </a:p>
+        </p:txBody>
+      </p:sp>
+      <p:pic>
+        <p:nvPicPr>
+          <p:cNvPr id="4" name="Immagine 3">
+            <a:extLst>
+              <a:ext uri="{FF2B5EF4-FFF2-40B4-BE49-F238E27FC236}">
+                <a16:creationId xmlns:a16="http://schemas.microsoft.com/office/drawing/2014/main" id="{4427B3B1-9F9C-5C4D-51EA-0F9F315B6E13}"/>
+              </a:ext>
+            </a:extLst>
+          </p:cNvPr>
+          <p:cNvPicPr>
+            <a:picLocks noChangeAspect="1"/>
+          </p:cNvPicPr>
+          <p:nvPr/>
+        </p:nvPicPr>
+        <p:blipFill>
+          <a:blip r:embed="rId2"/>
+          <a:stretch>
+            <a:fillRect/>
+          </a:stretch>
+        </p:blipFill>
+        <p:spPr>
+          <a:xfrm>
+            <a:off x="1683057" y="1891745"/>
+            <a:ext cx="7170930" cy="4129688"/>
+          </a:xfrm>
+          <a:prstGeom prst="rect">
+            <a:avLst/>
+          </a:prstGeom>
+        </p:spPr>
+      </p:pic>
+    </p:spTree>
+    <p:extLst>
+      <p:ext uri="{BB962C8B-B14F-4D97-AF65-F5344CB8AC3E}">
+        <p14:creationId xmlns:p14="http://schemas.microsoft.com/office/powerpoint/2010/main" val="2098030192"/>
+      </p:ext>
+    </p:extLst>
+  </p:cSld>
+  <p:clrMapOvr>
+    <a:masterClrMapping/>
+  </p:clrMapOvr>
+</p:sld>
+</file>
+
+<file path=ppt/slides/slide11.xml><?xml version="1.0" encoding="utf-8"?>
+<p:sld xmlns:a="http://schemas.openxmlformats.org/drawingml/2006/main" xmlns:r="http://schemas.openxmlformats.org/officeDocument/2006/relationships" xmlns:p="http://schemas.openxmlformats.org/presentationml/2006/main">
+  <p:cSld>
+    <p:spTree>
+      <p:nvGrpSpPr>
+        <p:cNvPr id="1" name=""/>
+        <p:cNvGrpSpPr/>
+        <p:nvPr/>
+      </p:nvGrpSpPr>
+      <p:grpSpPr>
+        <a:xfrm>
+          <a:off x="0" y="0"/>
+          <a:ext cx="0" cy="0"/>
+          <a:chOff x="0" y="0"/>
+          <a:chExt cx="0" cy="0"/>
+        </a:xfrm>
+      </p:grpSpPr>
+      <p:sp>
+        <p:nvSpPr>
+          <p:cNvPr id="7" name="TextBox 3">
+            <a:extLst>
+              <a:ext uri="{FF2B5EF4-FFF2-40B4-BE49-F238E27FC236}">
+                <a16:creationId xmlns:a16="http://schemas.microsoft.com/office/drawing/2014/main" id="{1E2836A3-0211-5E13-41E1-9A0D51916DC9}"/>
+              </a:ext>
+            </a:extLst>
+          </p:cNvPr>
+          <p:cNvSpPr txBox="1"/>
+          <p:nvPr/>
+        </p:nvSpPr>
+        <p:spPr>
+          <a:xfrm>
+            <a:off x="694899" y="169262"/>
+            <a:ext cx="9732474" cy="510140"/>
+          </a:xfrm>
+          <a:prstGeom prst="rect">
+            <a:avLst/>
+          </a:prstGeom>
+          <a:noFill/>
+        </p:spPr>
+        <p:txBody>
+          <a:bodyPr wrap="square" lIns="91440" tIns="45720" rIns="91440" bIns="45720" rtlCol="0" anchor="t">
+            <a:spAutoFit/>
+          </a:bodyPr>
+          <a:lstStyle/>
+          <a:p>
+            <a:pPr>
+              <a:lnSpc>
+                <a:spcPct val="200000"/>
+              </a:lnSpc>
+            </a:pPr>
+            <a:r>
+              <a:rPr lang="en-GB" sz="1600" b="1" dirty="0">
+                <a:latin typeface="Futura Lt BT"/>
+              </a:rPr>
+              <a:t>4. Next Steps</a:t>
+            </a:r>
+          </a:p>
+        </p:txBody>
+      </p:sp>
+      <p:sp>
+        <p:nvSpPr>
+          <p:cNvPr id="11" name="Slide Number Placeholder 2">
+            <a:extLst>
+              <a:ext uri="{FF2B5EF4-FFF2-40B4-BE49-F238E27FC236}">
+                <a16:creationId xmlns:a16="http://schemas.microsoft.com/office/drawing/2014/main" id="{E1C38F82-3784-375D-E75F-0ACD15099DB5}"/>
+              </a:ext>
+            </a:extLst>
+          </p:cNvPr>
+          <p:cNvSpPr txBox="1">
+            <a:spLocks/>
+          </p:cNvSpPr>
+          <p:nvPr/>
+        </p:nvSpPr>
+        <p:spPr>
+          <a:xfrm>
+            <a:off x="8555230" y="6492876"/>
+            <a:ext cx="2228850" cy="365125"/>
+          </a:xfrm>
+          <a:prstGeom prst="rect">
+            <a:avLst/>
+          </a:prstGeom>
+        </p:spPr>
+        <p:txBody>
+          <a:bodyPr vert="horz" lIns="91440" tIns="45720" rIns="91440" bIns="45720" rtlCol="0" anchor="ctr"/>
+          <a:lstStyle>
+            <a:defPPr>
+              <a:defRPr lang="en-US"/>
+            </a:defPPr>
+            <a:lvl1pPr marL="0" algn="r" defTabSz="914400" rtl="0" eaLnBrk="1" latinLnBrk="0" hangingPunct="1">
+              <a:defRPr sz="1200" kern="1200">
+                <a:solidFill>
+                  <a:schemeClr val="tx1">
+                    <a:tint val="75000"/>
+                  </a:schemeClr>
+                </a:solidFill>
+                <a:latin typeface="+mn-lt"/>
+                <a:ea typeface="+mn-ea"/>
+                <a:cs typeface="+mn-cs"/>
+              </a:defRPr>
+            </a:lvl1pPr>
+            <a:lvl2pPr marL="457200" algn="l" defTabSz="914400" rtl="0" eaLnBrk="1" latinLnBrk="0" hangingPunct="1">
+              <a:defRPr sz="1800" kern="1200">
+                <a:solidFill>
+                  <a:schemeClr val="tx1"/>
+                </a:solidFill>
+                <a:latin typeface="+mn-lt"/>
+                <a:ea typeface="+mn-ea"/>
+                <a:cs typeface="+mn-cs"/>
+              </a:defRPr>
+            </a:lvl2pPr>
+            <a:lvl3pPr marL="914400" algn="l" defTabSz="914400" rtl="0" eaLnBrk="1" latinLnBrk="0" hangingPunct="1">
+              <a:defRPr sz="1800" kern="1200">
+                <a:solidFill>
+                  <a:schemeClr val="tx1"/>
+                </a:solidFill>
+                <a:latin typeface="+mn-lt"/>
+                <a:ea typeface="+mn-ea"/>
+                <a:cs typeface="+mn-cs"/>
+              </a:defRPr>
+            </a:lvl3pPr>
+            <a:lvl4pPr marL="1371600" algn="l" defTabSz="914400" rtl="0" eaLnBrk="1" latinLnBrk="0" hangingPunct="1">
+              <a:defRPr sz="1800" kern="1200">
+                <a:solidFill>
+                  <a:schemeClr val="tx1"/>
+                </a:solidFill>
+                <a:latin typeface="+mn-lt"/>
+                <a:ea typeface="+mn-ea"/>
+                <a:cs typeface="+mn-cs"/>
+              </a:defRPr>
+            </a:lvl4pPr>
+            <a:lvl5pPr marL="1828800" algn="l" defTabSz="914400" rtl="0" eaLnBrk="1" latinLnBrk="0" hangingPunct="1">
+              <a:defRPr sz="1800" kern="1200">
+                <a:solidFill>
+                  <a:schemeClr val="tx1"/>
+                </a:solidFill>
+                <a:latin typeface="+mn-lt"/>
+                <a:ea typeface="+mn-ea"/>
+                <a:cs typeface="+mn-cs"/>
+              </a:defRPr>
+            </a:lvl5pPr>
+            <a:lvl6pPr marL="2286000" algn="l" defTabSz="914400" rtl="0" eaLnBrk="1" latinLnBrk="0" hangingPunct="1">
+              <a:defRPr sz="1800" kern="1200">
+                <a:solidFill>
+                  <a:schemeClr val="tx1"/>
+                </a:solidFill>
+                <a:latin typeface="+mn-lt"/>
+                <a:ea typeface="+mn-ea"/>
+                <a:cs typeface="+mn-cs"/>
+              </a:defRPr>
+            </a:lvl6pPr>
+            <a:lvl7pPr marL="2743200" algn="l" defTabSz="914400" rtl="0" eaLnBrk="1" latinLnBrk="0" hangingPunct="1">
+              <a:defRPr sz="1800" kern="1200">
+                <a:solidFill>
+                  <a:schemeClr val="tx1"/>
+                </a:solidFill>
+                <a:latin typeface="+mn-lt"/>
+                <a:ea typeface="+mn-ea"/>
+                <a:cs typeface="+mn-cs"/>
+              </a:defRPr>
+            </a:lvl7pPr>
+            <a:lvl8pPr marL="3200400" algn="l" defTabSz="914400" rtl="0" eaLnBrk="1" latinLnBrk="0" hangingPunct="1">
+              <a:defRPr sz="1800" kern="1200">
+                <a:solidFill>
+                  <a:schemeClr val="tx1"/>
+                </a:solidFill>
+                <a:latin typeface="+mn-lt"/>
+                <a:ea typeface="+mn-ea"/>
+                <a:cs typeface="+mn-cs"/>
+              </a:defRPr>
+            </a:lvl8pPr>
+            <a:lvl9pPr marL="3657600" algn="l" defTabSz="914400" rtl="0" eaLnBrk="1" latinLnBrk="0" hangingPunct="1">
+              <a:defRPr sz="1800" kern="1200">
+                <a:solidFill>
+                  <a:schemeClr val="tx1"/>
+                </a:solidFill>
+                <a:latin typeface="+mn-lt"/>
+                <a:ea typeface="+mn-ea"/>
+                <a:cs typeface="+mn-cs"/>
+              </a:defRPr>
+            </a:lvl9pPr>
+          </a:lstStyle>
+          <a:p>
+            <a:fld id="{B680E2BF-2375-4E8B-B390-C573FD8AFB5C}" type="slidenum">
+              <a:rPr lang="it-IT" sz="900" smtClean="0">
+                <a:latin typeface="Futura Lt BT" panose="020B0402020204020303" pitchFamily="34" charset="0"/>
+              </a:rPr>
+              <a:pPr/>
+              <a:t>11</a:t>
             </a:fld>
             <a:endParaRPr lang="it-IT" sz="900" dirty="0">
               <a:latin typeface="Futura Lt BT" panose="020B0402020204020303" pitchFamily="34" charset="0"/>
@@ -7188,7 +7628,7 @@
         </p:blipFill>
         <p:spPr>
           <a:xfrm>
-            <a:off x="1495425" y="1947862"/>
+            <a:off x="1522058" y="1885718"/>
             <a:ext cx="6153150" cy="3429713"/>
           </a:xfrm>
           <a:prstGeom prst="rect">
